--- a/Presentations/Intro.pptx
+++ b/Presentations/Intro.pptx
@@ -2984,7 +2984,7 @@
             <a:fld id="{5586B75A-687E-405C-8A0B-8D00578BA2C3}" type="datetimeFigureOut">
               <a:rPr lang="en-US" dirty="0"/>
               <a:pPr/>
-              <a:t>3/13/22</a:t>
+              <a:t>4/3/22</a:t>
             </a:fld>
             <a:endParaRPr lang="en-US" dirty="0"/>
           </a:p>
@@ -3151,7 +3151,7 @@
             <a:fld id="{5586B75A-687E-405C-8A0B-8D00578BA2C3}" type="datetimeFigureOut">
               <a:rPr lang="en-US" dirty="0"/>
               <a:pPr/>
-              <a:t>3/13/22</a:t>
+              <a:t>4/3/22</a:t>
             </a:fld>
             <a:endParaRPr lang="en-US" dirty="0"/>
           </a:p>
@@ -3328,7 +3328,7 @@
             <a:fld id="{5586B75A-687E-405C-8A0B-8D00578BA2C3}" type="datetimeFigureOut">
               <a:rPr lang="en-US" dirty="0"/>
               <a:pPr/>
-              <a:t>3/13/22</a:t>
+              <a:t>4/3/22</a:t>
             </a:fld>
             <a:endParaRPr lang="en-US" dirty="0"/>
           </a:p>
@@ -3495,7 +3495,7 @@
             <a:fld id="{5586B75A-687E-405C-8A0B-8D00578BA2C3}" type="datetimeFigureOut">
               <a:rPr lang="en-US" dirty="0"/>
               <a:pPr/>
-              <a:t>3/13/22</a:t>
+              <a:t>4/3/22</a:t>
             </a:fld>
             <a:endParaRPr lang="en-US" dirty="0"/>
           </a:p>
@@ -3750,7 +3750,7 @@
             <a:fld id="{5586B75A-687E-405C-8A0B-8D00578BA2C3}" type="datetimeFigureOut">
               <a:rPr lang="en-US" dirty="0"/>
               <a:pPr/>
-              <a:t>3/13/22</a:t>
+              <a:t>4/3/22</a:t>
             </a:fld>
             <a:endParaRPr lang="en-US" dirty="0"/>
           </a:p>
@@ -4035,7 +4035,7 @@
             <a:fld id="{5586B75A-687E-405C-8A0B-8D00578BA2C3}" type="datetimeFigureOut">
               <a:rPr lang="en-US" dirty="0"/>
               <a:pPr/>
-              <a:t>3/13/22</a:t>
+              <a:t>4/3/22</a:t>
             </a:fld>
             <a:endParaRPr lang="en-US" dirty="0"/>
           </a:p>
@@ -4474,7 +4474,7 @@
             <a:fld id="{5586B75A-687E-405C-8A0B-8D00578BA2C3}" type="datetimeFigureOut">
               <a:rPr lang="en-US" dirty="0"/>
               <a:pPr/>
-              <a:t>3/13/22</a:t>
+              <a:t>4/3/22</a:t>
             </a:fld>
             <a:endParaRPr lang="en-US" dirty="0"/>
           </a:p>
@@ -4589,7 +4589,7 @@
             <a:fld id="{5586B75A-687E-405C-8A0B-8D00578BA2C3}" type="datetimeFigureOut">
               <a:rPr lang="en-US" dirty="0"/>
               <a:pPr/>
-              <a:t>3/13/22</a:t>
+              <a:t>4/3/22</a:t>
             </a:fld>
             <a:endParaRPr lang="en-US" dirty="0"/>
           </a:p>
@@ -4681,7 +4681,7 @@
             <a:fld id="{5586B75A-687E-405C-8A0B-8D00578BA2C3}" type="datetimeFigureOut">
               <a:rPr lang="en-US" dirty="0"/>
               <a:pPr/>
-              <a:t>3/13/22</a:t>
+              <a:t>4/3/22</a:t>
             </a:fld>
             <a:endParaRPr lang="en-US" dirty="0"/>
           </a:p>
@@ -4966,7 +4966,7 @@
             <a:fld id="{5586B75A-687E-405C-8A0B-8D00578BA2C3}" type="datetimeFigureOut">
               <a:rPr lang="en-US" dirty="0"/>
               <a:pPr/>
-              <a:t>3/13/22</a:t>
+              <a:t>4/3/22</a:t>
             </a:fld>
             <a:endParaRPr lang="en-US" dirty="0"/>
           </a:p>
@@ -5236,7 +5236,7 @@
             <a:fld id="{5586B75A-687E-405C-8A0B-8D00578BA2C3}" type="datetimeFigureOut">
               <a:rPr lang="en-US" dirty="0"/>
               <a:pPr/>
-              <a:t>3/13/22</a:t>
+              <a:t>4/3/22</a:t>
             </a:fld>
             <a:endParaRPr lang="en-US" dirty="0"/>
           </a:p>
@@ -5530,7 +5530,7 @@
             <a:fld id="{5586B75A-687E-405C-8A0B-8D00578BA2C3}" type="datetimeFigureOut">
               <a:rPr lang="en-US" dirty="0"/>
               <a:pPr/>
-              <a:t>3/13/22</a:t>
+              <a:t>4/3/22</a:t>
             </a:fld>
             <a:endParaRPr lang="en-US" dirty="0"/>
           </a:p>
@@ -7483,6 +7483,49 @@
           </a:p>
         </p:txBody>
       </p:sp>
+      <p:sp>
+        <p:nvSpPr>
+          <p:cNvPr id="4" name="TextBox 3">
+            <a:extLst>
+              <a:ext uri="{FF2B5EF4-FFF2-40B4-BE49-F238E27FC236}">
+                <a16:creationId xmlns:a16="http://schemas.microsoft.com/office/drawing/2014/main" id="{19642C84-5AC6-3447-B27F-9D9ECC58FF74}"/>
+              </a:ext>
+            </a:extLst>
+          </p:cNvPr>
+          <p:cNvSpPr txBox="1"/>
+          <p:nvPr/>
+        </p:nvSpPr>
+        <p:spPr>
+          <a:xfrm>
+            <a:off x="0" y="6602624"/>
+            <a:ext cx="12001500" cy="246221"/>
+          </a:xfrm>
+          <a:prstGeom prst="rect">
+            <a:avLst/>
+          </a:prstGeom>
+          <a:noFill/>
+        </p:spPr>
+        <p:txBody>
+          <a:bodyPr wrap="square" rtlCol="0">
+            <a:spAutoFit/>
+          </a:bodyPr>
+          <a:lstStyle/>
+          <a:p>
+            <a:r>
+              <a:rPr lang="en-US" sz="1000" dirty="0"/>
+              <a:t>https://</a:t>
+            </a:r>
+            <a:r>
+              <a:rPr lang="en-US" sz="1000" dirty="0" err="1"/>
+              <a:t>www.align.com</a:t>
+            </a:r>
+            <a:r>
+              <a:rPr lang="en-US" sz="1000" dirty="0"/>
+              <a:t>/blog/6-reasons-why-businesses-need-cyber-security-awareness-training</a:t>
+            </a:r>
+          </a:p>
+        </p:txBody>
+      </p:sp>
     </p:spTree>
     <p:extLst>
       <p:ext uri="{BB962C8B-B14F-4D97-AF65-F5344CB8AC3E}">
